--- a/图形解析.pptx
+++ b/图形解析.pptx
@@ -8,11 +8,12 @@
     <p:sldId id="256" r:id="rId3"/>
     <p:sldId id="257" r:id="rId4"/>
     <p:sldId id="259" r:id="rId5"/>
+    <p:sldId id="260" r:id="rId6"/>
   </p:sldIdLst>
   <p:sldSz cx="12192000" cy="6858000"/>
   <p:notesSz cx="6858000" cy="9144000"/>
   <p:custDataLst>
-    <p:tags r:id="rId9"/>
+    <p:tags r:id="rId10"/>
   </p:custDataLst>
   <p:defaultTextStyle>
     <a:defPPr>
@@ -5278,6 +5279,53 @@
 </p:sld>
 </file>
 
+<file path=ppt/slides/slide4.xml><?xml version="1.0" encoding="utf-8"?>
+<p:sld xmlns:a="http://schemas.openxmlformats.org/drawingml/2006/main" xmlns:r="http://schemas.openxmlformats.org/officeDocument/2006/relationships" xmlns:p="http://schemas.openxmlformats.org/presentationml/2006/main">
+  <p:cSld>
+    <p:spTree>
+      <p:nvGrpSpPr>
+        <p:cNvPr id="1" name=""/>
+        <p:cNvGrpSpPr/>
+        <p:nvPr/>
+      </p:nvGrpSpPr>
+      <p:grpSpPr/>
+      <p:pic>
+        <p:nvPicPr>
+          <p:cNvPr id="100" name="图片 99"/>
+          <p:cNvPicPr/>
+          <p:nvPr/>
+        </p:nvPicPr>
+        <p:blipFill>
+          <a:blip r:embed="rId1"/>
+          <a:stretch>
+            <a:fillRect/>
+          </a:stretch>
+        </p:blipFill>
+        <p:spPr>
+          <a:xfrm>
+            <a:off x="1623695" y="1000760"/>
+            <a:ext cx="8800465" cy="3921125"/>
+          </a:xfrm>
+          <a:prstGeom prst="rect">
+            <a:avLst/>
+          </a:prstGeom>
+          <a:noFill/>
+          <a:ln w="9525">
+            <a:noFill/>
+          </a:ln>
+        </p:spPr>
+      </p:pic>
+    </p:spTree>
+    <p:custDataLst>
+      <p:tags r:id="rId2"/>
+    </p:custDataLst>
+  </p:cSld>
+  <p:clrMapOvr>
+    <a:masterClrMapping/>
+  </p:clrMapOvr>
+</p:sld>
+</file>
+
 <file path=ppt/tags/tag1.xml><?xml version="1.0" encoding="utf-8"?>
 <p:tagLst xmlns:p="http://schemas.openxmlformats.org/presentationml/2006/main">
   <p:tag name="KSO_WM_UNIT_HIGHLIGHT" val="0"/>
@@ -6088,6 +6136,14 @@
 </file>
 
 <file path=ppt/tags/tag66.xml><?xml version="1.0" encoding="utf-8"?>
+<p:tagLst xmlns:p="http://schemas.openxmlformats.org/presentationml/2006/main">
+  <p:tag name="KSO_WM_BEAUTIFY_FLAG" val="#wm#"/>
+  <p:tag name="KSO_WM_TEMPLATE_CATEGORY" val="custom"/>
+  <p:tag name="KSO_WM_TEMPLATE_INDEX" val="20205176"/>
+</p:tagLst>
+</file>
+
+<file path=ppt/tags/tag67.xml><?xml version="1.0" encoding="utf-8"?>
 <p:tagLst xmlns:p="http://schemas.openxmlformats.org/presentationml/2006/main">
   <p:tag name="KSO_WPP_MARK_KEY" val="3ad80905-c621-475e-a8eb-83bf3db093fd"/>
   <p:tag name="COMMONDATA" val="eyJoZGlkIjoiMjMwYTZlOTVkMjNlMTY2ODY2ZWJlMDdkZDUyNTA4Y2IifQ=="/>
